--- a/3SEM/IED001 - Estruturas de Dados/Materiais do professor e Listas/Aula 2 - Lista Estática.pptx
+++ b/3SEM/IED001 - Estruturas de Dados/Materiais do professor e Listas/Aula 2 - Lista Estática.pptx
@@ -162,7 +162,7 @@
   </p:defaultTextStyle>
   <p:extLst>
     <p:ext uri="{EFAFB233-063F-42B5-8137-9DF3F51BA10A}">
-      <p15:sldGuideLst xmlns="" xmlns:p15="http://schemas.microsoft.com/office/powerpoint/2012/main">
+      <p15:sldGuideLst xmlns:p15="http://schemas.microsoft.com/office/powerpoint/2012/main">
         <p15:guide id="1" orient="horz" pos="2160">
           <p15:clr>
             <a:srgbClr val="A4A3A4"/>
@@ -177,6 +177,32 @@
     </p:ext>
   </p:extLst>
 </p:presentation>
+</file>
+
+<file path=ppt/commentAuthors.xml><?xml version="1.0" encoding="utf-8"?>
+<p:cmAuthorLst xmlns:a="http://schemas.openxmlformats.org/drawingml/2006/main" xmlns:r="http://schemas.openxmlformats.org/officeDocument/2006/relationships" xmlns:p="http://schemas.openxmlformats.org/presentationml/2006/main">
+  <p:cmAuthor id="1" name="Robson Ferreira" initials="RF" lastIdx="1" clrIdx="0">
+    <p:extLst>
+      <p:ext uri="{19B8F6BF-5375-455C-9EA6-DF929625EA0E}">
+        <p15:presenceInfo xmlns:p15="http://schemas.microsoft.com/office/powerpoint/2012/main" userId="39edf95680483a88" providerId="Windows Live"/>
+      </p:ext>
+    </p:extLst>
+  </p:cmAuthor>
+</p:cmAuthorLst>
+</file>
+
+<file path=ppt/comments/comment1.xml><?xml version="1.0" encoding="utf-8"?>
+<p:cmLst xmlns:a="http://schemas.openxmlformats.org/drawingml/2006/main" xmlns:r="http://schemas.openxmlformats.org/officeDocument/2006/relationships" xmlns:p="http://schemas.openxmlformats.org/presentationml/2006/main">
+  <p:cm authorId="1" dt="2019-10-10T22:10:51.363" idx="1">
+    <p:pos x="10" y="10"/>
+    <p:text>Cai na prova</p:text>
+    <p:extLst>
+      <p:ext uri="{C676402C-5697-4E1C-873F-D02D1690AC5C}">
+        <p15:threadingInfo xmlns:p15="http://schemas.microsoft.com/office/powerpoint/2012/main" timeZoneBias="180"/>
+      </p:ext>
+    </p:extLst>
+  </p:cm>
+</p:cmLst>
 </file>
 
 <file path=ppt/notesMasters/notesMaster1.xml><?xml version="1.0" encoding="utf-8"?>
@@ -288,7 +314,7 @@
               <a:pPr>
                 <a:defRPr/>
               </a:pPr>
-              <a:t>12/09/2019</a:t>
+              <a:t>10/10/2019</a:t>
             </a:fld>
             <a:endParaRPr lang="pt-BR"/>
           </a:p>
@@ -355,38 +381,37 @@
           <a:p>
             <a:pPr lvl="0"/>
             <a:r>
-              <a:rPr lang="pt-BR" noProof="0" smtClean="0"/>
+              <a:rPr lang="pt-BR" noProof="0"/>
               <a:t>Clique para editar os estilos do texto mestre</a:t>
             </a:r>
           </a:p>
           <a:p>
             <a:pPr lvl="1"/>
             <a:r>
-              <a:rPr lang="pt-BR" noProof="0" smtClean="0"/>
+              <a:rPr lang="pt-BR" noProof="0"/>
               <a:t>Segundo nível</a:t>
             </a:r>
           </a:p>
           <a:p>
             <a:pPr lvl="2"/>
             <a:r>
-              <a:rPr lang="pt-BR" noProof="0" smtClean="0"/>
+              <a:rPr lang="pt-BR" noProof="0"/>
               <a:t>Terceiro nível</a:t>
             </a:r>
           </a:p>
           <a:p>
             <a:pPr lvl="3"/>
             <a:r>
-              <a:rPr lang="pt-BR" noProof="0" smtClean="0"/>
+              <a:rPr lang="pt-BR" noProof="0"/>
               <a:t>Quarto nível</a:t>
             </a:r>
           </a:p>
           <a:p>
             <a:pPr lvl="4"/>
             <a:r>
-              <a:rPr lang="pt-BR" noProof="0" smtClean="0"/>
+              <a:rPr lang="pt-BR" noProof="0"/>
               <a:t>Quinto nível</a:t>
             </a:r>
-            <a:endParaRPr lang="pt-BR" noProof="0"/>
           </a:p>
         </p:txBody>
       </p:sp>
@@ -794,7 +819,7 @@
           </a:lstStyle>
           <a:p>
             <a:r>
-              <a:rPr kumimoji="0" lang="pt-BR" smtClean="0"/>
+              <a:rPr kumimoji="0" lang="pt-BR"/>
               <a:t>Clique para editar o título mestre</a:t>
             </a:r>
             <a:endParaRPr kumimoji="0" lang="en-US"/>
@@ -855,7 +880,7 @@
           </a:lstStyle>
           <a:p>
             <a:r>
-              <a:rPr kumimoji="0" lang="pt-BR" smtClean="0"/>
+              <a:rPr kumimoji="0" lang="pt-BR"/>
               <a:t>Clique para editar o estilo do subtítulo mestre</a:t>
             </a:r>
             <a:endParaRPr kumimoji="0" lang="en-US"/>
@@ -885,7 +910,7 @@
               <a:pPr>
                 <a:defRPr/>
               </a:pPr>
-              <a:t>12/09/2019</a:t>
+              <a:t>10/10/2019</a:t>
             </a:fld>
             <a:endParaRPr lang="pt-BR"/>
           </a:p>
@@ -950,13 +975,6 @@
   <p:transition>
     <p:cover dir="rd"/>
   </p:transition>
-  <p:timing>
-    <p:tnLst>
-      <p:par>
-        <p:cTn id="1" dur="indefinite" restart="never" nodeType="tmRoot"/>
-      </p:par>
-    </p:tnLst>
-  </p:timing>
 </p:sldLayout>
 </file>
 
@@ -993,7 +1011,7 @@
           <a:lstStyle/>
           <a:p>
             <a:r>
-              <a:rPr kumimoji="0" lang="pt-BR" smtClean="0"/>
+              <a:rPr kumimoji="0" lang="pt-BR"/>
               <a:t>Clique para editar o título mestre</a:t>
             </a:r>
             <a:endParaRPr kumimoji="0" lang="en-US"/>
@@ -1017,35 +1035,35 @@
           <a:p>
             <a:pPr lvl="0" eaLnBrk="1" latinLnBrk="0" hangingPunct="1"/>
             <a:r>
-              <a:rPr lang="pt-BR" smtClean="0"/>
+              <a:rPr lang="pt-BR"/>
               <a:t>Clique para editar o texto mestre</a:t>
             </a:r>
           </a:p>
           <a:p>
             <a:pPr lvl="1" eaLnBrk="1" latinLnBrk="0" hangingPunct="1"/>
             <a:r>
-              <a:rPr lang="pt-BR" smtClean="0"/>
+              <a:rPr lang="pt-BR"/>
               <a:t>Segundo nível</a:t>
             </a:r>
           </a:p>
           <a:p>
             <a:pPr lvl="2" eaLnBrk="1" latinLnBrk="0" hangingPunct="1"/>
             <a:r>
-              <a:rPr lang="pt-BR" smtClean="0"/>
+              <a:rPr lang="pt-BR"/>
               <a:t>Terceiro nível</a:t>
             </a:r>
           </a:p>
           <a:p>
             <a:pPr lvl="3" eaLnBrk="1" latinLnBrk="0" hangingPunct="1"/>
             <a:r>
-              <a:rPr lang="pt-BR" smtClean="0"/>
+              <a:rPr lang="pt-BR"/>
               <a:t>Quarto nível</a:t>
             </a:r>
           </a:p>
           <a:p>
             <a:pPr lvl="4" eaLnBrk="1" latinLnBrk="0" hangingPunct="1"/>
             <a:r>
-              <a:rPr lang="pt-BR" smtClean="0"/>
+              <a:rPr lang="pt-BR"/>
               <a:t>Quinto nível</a:t>
             </a:r>
             <a:endParaRPr kumimoji="0" lang="en-US"/>
@@ -1075,7 +1093,7 @@
               <a:pPr>
                 <a:defRPr/>
               </a:pPr>
-              <a:t>12/09/2019</a:t>
+              <a:t>10/10/2019</a:t>
             </a:fld>
             <a:endParaRPr lang="pt-BR"/>
           </a:p>
@@ -1140,13 +1158,6 @@
   <p:transition>
     <p:cover dir="rd"/>
   </p:transition>
-  <p:timing>
-    <p:tnLst>
-      <p:par>
-        <p:cTn id="1" dur="indefinite" restart="never" nodeType="tmRoot"/>
-      </p:par>
-    </p:tnLst>
-  </p:timing>
 </p:sldLayout>
 </file>
 
@@ -1188,7 +1199,7 @@
           <a:lstStyle/>
           <a:p>
             <a:r>
-              <a:rPr kumimoji="0" lang="pt-BR" smtClean="0"/>
+              <a:rPr kumimoji="0" lang="pt-BR"/>
               <a:t>Clique para editar o título mestre</a:t>
             </a:r>
             <a:endParaRPr kumimoji="0" lang="en-US"/>
@@ -1217,35 +1228,35 @@
           <a:p>
             <a:pPr lvl="0" eaLnBrk="1" latinLnBrk="0" hangingPunct="1"/>
             <a:r>
-              <a:rPr lang="pt-BR" smtClean="0"/>
+              <a:rPr lang="pt-BR"/>
               <a:t>Clique para editar o texto mestre</a:t>
             </a:r>
           </a:p>
           <a:p>
             <a:pPr lvl="1" eaLnBrk="1" latinLnBrk="0" hangingPunct="1"/>
             <a:r>
-              <a:rPr lang="pt-BR" smtClean="0"/>
+              <a:rPr lang="pt-BR"/>
               <a:t>Segundo nível</a:t>
             </a:r>
           </a:p>
           <a:p>
             <a:pPr lvl="2" eaLnBrk="1" latinLnBrk="0" hangingPunct="1"/>
             <a:r>
-              <a:rPr lang="pt-BR" smtClean="0"/>
+              <a:rPr lang="pt-BR"/>
               <a:t>Terceiro nível</a:t>
             </a:r>
           </a:p>
           <a:p>
             <a:pPr lvl="3" eaLnBrk="1" latinLnBrk="0" hangingPunct="1"/>
             <a:r>
-              <a:rPr lang="pt-BR" smtClean="0"/>
+              <a:rPr lang="pt-BR"/>
               <a:t>Quarto nível</a:t>
             </a:r>
           </a:p>
           <a:p>
             <a:pPr lvl="4" eaLnBrk="1" latinLnBrk="0" hangingPunct="1"/>
             <a:r>
-              <a:rPr lang="pt-BR" smtClean="0"/>
+              <a:rPr lang="pt-BR"/>
               <a:t>Quinto nível</a:t>
             </a:r>
             <a:endParaRPr kumimoji="0" lang="en-US"/>
@@ -1275,7 +1286,7 @@
               <a:pPr>
                 <a:defRPr/>
               </a:pPr>
-              <a:t>12/09/2019</a:t>
+              <a:t>10/10/2019</a:t>
             </a:fld>
             <a:endParaRPr lang="pt-BR"/>
           </a:p>
@@ -1340,13 +1351,6 @@
   <p:transition>
     <p:cover dir="rd"/>
   </p:transition>
-  <p:timing>
-    <p:tnLst>
-      <p:par>
-        <p:cTn id="1" dur="indefinite" restart="never" nodeType="tmRoot"/>
-      </p:par>
-    </p:tnLst>
-  </p:timing>
 </p:sldLayout>
 </file>
 
@@ -1383,7 +1387,7 @@
           <a:lstStyle/>
           <a:p>
             <a:r>
-              <a:rPr kumimoji="0" lang="pt-BR" smtClean="0"/>
+              <a:rPr kumimoji="0" lang="pt-BR"/>
               <a:t>Clique para editar o título mestre</a:t>
             </a:r>
             <a:endParaRPr kumimoji="0" lang="en-US"/>
@@ -1407,35 +1411,35 @@
           <a:p>
             <a:pPr lvl="0" eaLnBrk="1" latinLnBrk="0" hangingPunct="1"/>
             <a:r>
-              <a:rPr lang="pt-BR" smtClean="0"/>
+              <a:rPr lang="pt-BR"/>
               <a:t>Clique para editar o texto mestre</a:t>
             </a:r>
           </a:p>
           <a:p>
             <a:pPr lvl="1" eaLnBrk="1" latinLnBrk="0" hangingPunct="1"/>
             <a:r>
-              <a:rPr lang="pt-BR" smtClean="0"/>
+              <a:rPr lang="pt-BR"/>
               <a:t>Segundo nível</a:t>
             </a:r>
           </a:p>
           <a:p>
             <a:pPr lvl="2" eaLnBrk="1" latinLnBrk="0" hangingPunct="1"/>
             <a:r>
-              <a:rPr lang="pt-BR" smtClean="0"/>
+              <a:rPr lang="pt-BR"/>
               <a:t>Terceiro nível</a:t>
             </a:r>
           </a:p>
           <a:p>
             <a:pPr lvl="3" eaLnBrk="1" latinLnBrk="0" hangingPunct="1"/>
             <a:r>
-              <a:rPr lang="pt-BR" smtClean="0"/>
+              <a:rPr lang="pt-BR"/>
               <a:t>Quarto nível</a:t>
             </a:r>
           </a:p>
           <a:p>
             <a:pPr lvl="4" eaLnBrk="1" latinLnBrk="0" hangingPunct="1"/>
             <a:r>
-              <a:rPr lang="pt-BR" smtClean="0"/>
+              <a:rPr lang="pt-BR"/>
               <a:t>Quinto nível</a:t>
             </a:r>
             <a:endParaRPr kumimoji="0" lang="en-US"/>
@@ -1465,7 +1469,7 @@
               <a:pPr>
                 <a:defRPr/>
               </a:pPr>
-              <a:t>12/09/2019</a:t>
+              <a:t>10/10/2019</a:t>
             </a:fld>
             <a:endParaRPr lang="pt-BR"/>
           </a:p>
@@ -1530,13 +1534,6 @@
   <p:transition>
     <p:cover dir="rd"/>
   </p:transition>
-  <p:timing>
-    <p:tnLst>
-      <p:par>
-        <p:cTn id="1" dur="indefinite" restart="never" nodeType="tmRoot"/>
-      </p:par>
-    </p:tnLst>
-  </p:timing>
 </p:sldLayout>
 </file>
 
@@ -1625,7 +1622,7 @@
           </a:lstStyle>
           <a:p>
             <a:r>
-              <a:rPr kumimoji="0" lang="pt-BR" smtClean="0"/>
+              <a:rPr kumimoji="0" lang="pt-BR"/>
               <a:t>Clique para editar o título mestre</a:t>
             </a:r>
             <a:endParaRPr kumimoji="0" lang="en-US"/>
@@ -1703,7 +1700,7 @@
           <a:p>
             <a:pPr lvl="0" eaLnBrk="1" latinLnBrk="0" hangingPunct="1"/>
             <a:r>
-              <a:rPr kumimoji="0" lang="pt-BR" smtClean="0"/>
+              <a:rPr kumimoji="0" lang="pt-BR"/>
               <a:t>Clique para editar o texto mestre</a:t>
             </a:r>
           </a:p>
@@ -1732,7 +1729,7 @@
               <a:pPr>
                 <a:defRPr/>
               </a:pPr>
-              <a:t>12/09/2019</a:t>
+              <a:t>10/10/2019</a:t>
             </a:fld>
             <a:endParaRPr lang="pt-BR"/>
           </a:p>
@@ -1797,13 +1794,6 @@
   <p:transition>
     <p:cover dir="rd"/>
   </p:transition>
-  <p:timing>
-    <p:tnLst>
-      <p:par>
-        <p:cTn id="1" dur="indefinite" restart="never" nodeType="tmRoot"/>
-      </p:par>
-    </p:tnLst>
-  </p:timing>
 </p:sldLayout>
 </file>
 
@@ -1845,7 +1835,7 @@
           <a:lstStyle/>
           <a:p>
             <a:r>
-              <a:rPr kumimoji="0" lang="pt-BR" smtClean="0"/>
+              <a:rPr kumimoji="0" lang="pt-BR"/>
               <a:t>Clique para editar o título mestre</a:t>
             </a:r>
             <a:endParaRPr kumimoji="0" lang="en-US"/>
@@ -1890,35 +1880,35 @@
           <a:p>
             <a:pPr lvl="0" eaLnBrk="1" latinLnBrk="0" hangingPunct="1"/>
             <a:r>
-              <a:rPr lang="pt-BR" smtClean="0"/>
+              <a:rPr lang="pt-BR"/>
               <a:t>Clique para editar o texto mestre</a:t>
             </a:r>
           </a:p>
           <a:p>
             <a:pPr lvl="1" eaLnBrk="1" latinLnBrk="0" hangingPunct="1"/>
             <a:r>
-              <a:rPr lang="pt-BR" smtClean="0"/>
+              <a:rPr lang="pt-BR"/>
               <a:t>Segundo nível</a:t>
             </a:r>
           </a:p>
           <a:p>
             <a:pPr lvl="2" eaLnBrk="1" latinLnBrk="0" hangingPunct="1"/>
             <a:r>
-              <a:rPr lang="pt-BR" smtClean="0"/>
+              <a:rPr lang="pt-BR"/>
               <a:t>Terceiro nível</a:t>
             </a:r>
           </a:p>
           <a:p>
             <a:pPr lvl="3" eaLnBrk="1" latinLnBrk="0" hangingPunct="1"/>
             <a:r>
-              <a:rPr lang="pt-BR" smtClean="0"/>
+              <a:rPr lang="pt-BR"/>
               <a:t>Quarto nível</a:t>
             </a:r>
           </a:p>
           <a:p>
             <a:pPr lvl="4" eaLnBrk="1" latinLnBrk="0" hangingPunct="1"/>
             <a:r>
-              <a:rPr lang="pt-BR" smtClean="0"/>
+              <a:rPr lang="pt-BR"/>
               <a:t>Quinto nível</a:t>
             </a:r>
             <a:endParaRPr kumimoji="0" lang="en-US"/>
@@ -1963,35 +1953,35 @@
           <a:p>
             <a:pPr lvl="0" eaLnBrk="1" latinLnBrk="0" hangingPunct="1"/>
             <a:r>
-              <a:rPr lang="pt-BR" smtClean="0"/>
+              <a:rPr lang="pt-BR"/>
               <a:t>Clique para editar o texto mestre</a:t>
             </a:r>
           </a:p>
           <a:p>
             <a:pPr lvl="1" eaLnBrk="1" latinLnBrk="0" hangingPunct="1"/>
             <a:r>
-              <a:rPr lang="pt-BR" smtClean="0"/>
+              <a:rPr lang="pt-BR"/>
               <a:t>Segundo nível</a:t>
             </a:r>
           </a:p>
           <a:p>
             <a:pPr lvl="2" eaLnBrk="1" latinLnBrk="0" hangingPunct="1"/>
             <a:r>
-              <a:rPr lang="pt-BR" smtClean="0"/>
+              <a:rPr lang="pt-BR"/>
               <a:t>Terceiro nível</a:t>
             </a:r>
           </a:p>
           <a:p>
             <a:pPr lvl="3" eaLnBrk="1" latinLnBrk="0" hangingPunct="1"/>
             <a:r>
-              <a:rPr lang="pt-BR" smtClean="0"/>
+              <a:rPr lang="pt-BR"/>
               <a:t>Quarto nível</a:t>
             </a:r>
           </a:p>
           <a:p>
             <a:pPr lvl="4" eaLnBrk="1" latinLnBrk="0" hangingPunct="1"/>
             <a:r>
-              <a:rPr lang="pt-BR" smtClean="0"/>
+              <a:rPr lang="pt-BR"/>
               <a:t>Quinto nível</a:t>
             </a:r>
             <a:endParaRPr kumimoji="0" lang="en-US"/>
@@ -2021,7 +2011,7 @@
               <a:pPr>
                 <a:defRPr/>
               </a:pPr>
-              <a:t>12/09/2019</a:t>
+              <a:t>10/10/2019</a:t>
             </a:fld>
             <a:endParaRPr lang="pt-BR"/>
           </a:p>
@@ -2086,13 +2076,6 @@
   <p:transition>
     <p:cover dir="rd"/>
   </p:transition>
-  <p:timing>
-    <p:tnLst>
-      <p:par>
-        <p:cTn id="1" dur="indefinite" restart="never" nodeType="tmRoot"/>
-      </p:par>
-    </p:tnLst>
-  </p:timing>
 </p:sldLayout>
 </file>
 
@@ -2138,7 +2121,7 @@
           </a:lstStyle>
           <a:p>
             <a:r>
-              <a:rPr kumimoji="0" lang="pt-BR" smtClean="0"/>
+              <a:rPr kumimoji="0" lang="pt-BR"/>
               <a:t>Clique para editar o título mestre</a:t>
             </a:r>
             <a:endParaRPr kumimoji="0" lang="en-US"/>
@@ -2195,7 +2178,7 @@
           <a:p>
             <a:pPr lvl="0" eaLnBrk="1" latinLnBrk="0" hangingPunct="1"/>
             <a:r>
-              <a:rPr kumimoji="0" lang="pt-BR" smtClean="0"/>
+              <a:rPr kumimoji="0" lang="pt-BR"/>
               <a:t>Clique para editar o texto mestre</a:t>
             </a:r>
           </a:p>
@@ -2249,7 +2232,7 @@
           <a:p>
             <a:pPr lvl="0" eaLnBrk="1" latinLnBrk="0" hangingPunct="1"/>
             <a:r>
-              <a:rPr kumimoji="0" lang="pt-BR" smtClean="0"/>
+              <a:rPr kumimoji="0" lang="pt-BR"/>
               <a:t>Clique para editar o texto mestre</a:t>
             </a:r>
           </a:p>
@@ -2293,35 +2276,35 @@
           <a:p>
             <a:pPr lvl="0" eaLnBrk="1" latinLnBrk="0" hangingPunct="1"/>
             <a:r>
-              <a:rPr lang="pt-BR" smtClean="0"/>
+              <a:rPr lang="pt-BR"/>
               <a:t>Clique para editar o texto mestre</a:t>
             </a:r>
           </a:p>
           <a:p>
             <a:pPr lvl="1" eaLnBrk="1" latinLnBrk="0" hangingPunct="1"/>
             <a:r>
-              <a:rPr lang="pt-BR" smtClean="0"/>
+              <a:rPr lang="pt-BR"/>
               <a:t>Segundo nível</a:t>
             </a:r>
           </a:p>
           <a:p>
             <a:pPr lvl="2" eaLnBrk="1" latinLnBrk="0" hangingPunct="1"/>
             <a:r>
-              <a:rPr lang="pt-BR" smtClean="0"/>
+              <a:rPr lang="pt-BR"/>
               <a:t>Terceiro nível</a:t>
             </a:r>
           </a:p>
           <a:p>
             <a:pPr lvl="3" eaLnBrk="1" latinLnBrk="0" hangingPunct="1"/>
             <a:r>
-              <a:rPr lang="pt-BR" smtClean="0"/>
+              <a:rPr lang="pt-BR"/>
               <a:t>Quarto nível</a:t>
             </a:r>
           </a:p>
           <a:p>
             <a:pPr lvl="4" eaLnBrk="1" latinLnBrk="0" hangingPunct="1"/>
             <a:r>
-              <a:rPr lang="pt-BR" smtClean="0"/>
+              <a:rPr lang="pt-BR"/>
               <a:t>Quinto nível</a:t>
             </a:r>
             <a:endParaRPr kumimoji="0" lang="en-US"/>
@@ -2366,35 +2349,35 @@
           <a:p>
             <a:pPr lvl="0" eaLnBrk="1" latinLnBrk="0" hangingPunct="1"/>
             <a:r>
-              <a:rPr lang="pt-BR" smtClean="0"/>
+              <a:rPr lang="pt-BR"/>
               <a:t>Clique para editar o texto mestre</a:t>
             </a:r>
           </a:p>
           <a:p>
             <a:pPr lvl="1" eaLnBrk="1" latinLnBrk="0" hangingPunct="1"/>
             <a:r>
-              <a:rPr lang="pt-BR" smtClean="0"/>
+              <a:rPr lang="pt-BR"/>
               <a:t>Segundo nível</a:t>
             </a:r>
           </a:p>
           <a:p>
             <a:pPr lvl="2" eaLnBrk="1" latinLnBrk="0" hangingPunct="1"/>
             <a:r>
-              <a:rPr lang="pt-BR" smtClean="0"/>
+              <a:rPr lang="pt-BR"/>
               <a:t>Terceiro nível</a:t>
             </a:r>
           </a:p>
           <a:p>
             <a:pPr lvl="3" eaLnBrk="1" latinLnBrk="0" hangingPunct="1"/>
             <a:r>
-              <a:rPr lang="pt-BR" smtClean="0"/>
+              <a:rPr lang="pt-BR"/>
               <a:t>Quarto nível</a:t>
             </a:r>
           </a:p>
           <a:p>
             <a:pPr lvl="4" eaLnBrk="1" latinLnBrk="0" hangingPunct="1"/>
             <a:r>
-              <a:rPr lang="pt-BR" smtClean="0"/>
+              <a:rPr lang="pt-BR"/>
               <a:t>Quinto nível</a:t>
             </a:r>
             <a:endParaRPr kumimoji="0" lang="en-US"/>
@@ -2424,7 +2407,7 @@
               <a:pPr>
                 <a:defRPr/>
               </a:pPr>
-              <a:t>12/09/2019</a:t>
+              <a:t>10/10/2019</a:t>
             </a:fld>
             <a:endParaRPr lang="pt-BR"/>
           </a:p>
@@ -2489,13 +2472,6 @@
   <p:transition>
     <p:cover dir="rd"/>
   </p:transition>
-  <p:timing>
-    <p:tnLst>
-      <p:par>
-        <p:cTn id="1" dur="indefinite" restart="never" nodeType="tmRoot"/>
-      </p:par>
-    </p:tnLst>
-  </p:timing>
 </p:sldLayout>
 </file>
 
@@ -2569,7 +2545,7 @@
           </a:lstStyle>
           <a:p>
             <a:r>
-              <a:rPr kumimoji="0" lang="pt-BR" smtClean="0"/>
+              <a:rPr kumimoji="0" lang="pt-BR"/>
               <a:t>Clique para editar o título mestre</a:t>
             </a:r>
             <a:endParaRPr kumimoji="0" lang="en-US"/>
@@ -2599,7 +2575,7 @@
               <a:pPr>
                 <a:defRPr/>
               </a:pPr>
-              <a:t>12/09/2019</a:t>
+              <a:t>10/10/2019</a:t>
             </a:fld>
             <a:endParaRPr lang="pt-BR"/>
           </a:p>
@@ -2664,13 +2640,6 @@
   <p:transition>
     <p:cover dir="rd"/>
   </p:transition>
-  <p:timing>
-    <p:tnLst>
-      <p:par>
-        <p:cTn id="1" dur="indefinite" restart="never" nodeType="tmRoot"/>
-      </p:par>
-    </p:tnLst>
-  </p:timing>
 </p:sldLayout>
 </file>
 
@@ -2714,7 +2683,7 @@
               <a:pPr>
                 <a:defRPr/>
               </a:pPr>
-              <a:t>12/09/2019</a:t>
+              <a:t>10/10/2019</a:t>
             </a:fld>
             <a:endParaRPr lang="pt-BR"/>
           </a:p>
@@ -2779,13 +2748,6 @@
   <p:transition>
     <p:cover dir="rd"/>
   </p:transition>
-  <p:timing>
-    <p:tnLst>
-      <p:par>
-        <p:cTn id="1" dur="indefinite" restart="never" nodeType="tmRoot"/>
-      </p:par>
-    </p:tnLst>
-  </p:timing>
 </p:sldLayout>
 </file>
 
@@ -2848,7 +2810,7 @@
           </a:lstStyle>
           <a:p>
             <a:r>
-              <a:rPr kumimoji="0" lang="pt-BR" smtClean="0"/>
+              <a:rPr kumimoji="0" lang="pt-BR"/>
               <a:t>Clique para editar o título mestre</a:t>
             </a:r>
             <a:endParaRPr kumimoji="0" lang="en-US"/>
@@ -2898,7 +2860,7 @@
           <a:p>
             <a:pPr lvl="0" eaLnBrk="1" latinLnBrk="0" hangingPunct="1"/>
             <a:r>
-              <a:rPr kumimoji="0" lang="pt-BR" smtClean="0"/>
+              <a:rPr kumimoji="0" lang="pt-BR"/>
               <a:t>Clique para editar o texto mestre</a:t>
             </a:r>
           </a:p>
@@ -2942,35 +2904,35 @@
           <a:p>
             <a:pPr lvl="0" eaLnBrk="1" latinLnBrk="0" hangingPunct="1"/>
             <a:r>
-              <a:rPr lang="pt-BR" smtClean="0"/>
+              <a:rPr lang="pt-BR"/>
               <a:t>Clique para editar o texto mestre</a:t>
             </a:r>
           </a:p>
           <a:p>
             <a:pPr lvl="1" eaLnBrk="1" latinLnBrk="0" hangingPunct="1"/>
             <a:r>
-              <a:rPr lang="pt-BR" smtClean="0"/>
+              <a:rPr lang="pt-BR"/>
               <a:t>Segundo nível</a:t>
             </a:r>
           </a:p>
           <a:p>
             <a:pPr lvl="2" eaLnBrk="1" latinLnBrk="0" hangingPunct="1"/>
             <a:r>
-              <a:rPr lang="pt-BR" smtClean="0"/>
+              <a:rPr lang="pt-BR"/>
               <a:t>Terceiro nível</a:t>
             </a:r>
           </a:p>
           <a:p>
             <a:pPr lvl="3" eaLnBrk="1" latinLnBrk="0" hangingPunct="1"/>
             <a:r>
-              <a:rPr lang="pt-BR" smtClean="0"/>
+              <a:rPr lang="pt-BR"/>
               <a:t>Quarto nível</a:t>
             </a:r>
           </a:p>
           <a:p>
             <a:pPr lvl="4" eaLnBrk="1" latinLnBrk="0" hangingPunct="1"/>
             <a:r>
-              <a:rPr lang="pt-BR" smtClean="0"/>
+              <a:rPr lang="pt-BR"/>
               <a:t>Quinto nível</a:t>
             </a:r>
             <a:endParaRPr kumimoji="0" lang="en-US"/>
@@ -3000,7 +2962,7 @@
               <a:pPr>
                 <a:defRPr/>
               </a:pPr>
-              <a:t>12/09/2019</a:t>
+              <a:t>10/10/2019</a:t>
             </a:fld>
             <a:endParaRPr lang="pt-BR"/>
           </a:p>
@@ -3065,13 +3027,6 @@
   <p:transition>
     <p:cover dir="rd"/>
   </p:transition>
-  <p:timing>
-    <p:tnLst>
-      <p:par>
-        <p:cTn id="1" dur="indefinite" restart="never" nodeType="tmRoot"/>
-      </p:par>
-    </p:tnLst>
-  </p:timing>
 </p:sldLayout>
 </file>
 
@@ -3234,7 +3189,7 @@
           </a:lstStyle>
           <a:p>
             <a:r>
-              <a:rPr kumimoji="0" lang="pt-BR" smtClean="0"/>
+              <a:rPr kumimoji="0" lang="pt-BR"/>
               <a:t>Clique para editar o título mestre</a:t>
             </a:r>
             <a:endParaRPr kumimoji="0" lang="en-US"/>
@@ -3284,7 +3239,7 @@
           <a:p>
             <a:pPr lvl="0" eaLnBrk="1" latinLnBrk="0" hangingPunct="1"/>
             <a:r>
-              <a:rPr kumimoji="0" lang="pt-BR" smtClean="0"/>
+              <a:rPr kumimoji="0" lang="pt-BR"/>
               <a:t>Clique para editar o texto mestre</a:t>
             </a:r>
           </a:p>
@@ -3313,7 +3268,7 @@
               <a:pPr>
                 <a:defRPr/>
               </a:pPr>
-              <a:t>12/09/2019</a:t>
+              <a:t>10/10/2019</a:t>
             </a:fld>
             <a:endParaRPr lang="pt-BR"/>
           </a:p>
@@ -3414,7 +3369,7 @@
           </a:lstStyle>
           <a:p>
             <a:r>
-              <a:rPr kumimoji="0" lang="pt-BR" smtClean="0"/>
+              <a:rPr kumimoji="0" lang="pt-BR"/>
               <a:t>Clique no ícone para adicionar uma imagem</a:t>
             </a:r>
             <a:endParaRPr kumimoji="0" lang="en-US" dirty="0"/>
@@ -3685,13 +3640,6 @@
   <p:transition>
     <p:cover dir="rd"/>
   </p:transition>
-  <p:timing>
-    <p:tnLst>
-      <p:par>
-        <p:cTn id="1" dur="indefinite" restart="never" nodeType="tmRoot"/>
-      </p:par>
-    </p:tnLst>
-  </p:timing>
 </p:sldLayout>
 </file>
 
@@ -3999,7 +3947,7 @@
           <a:lstStyle/>
           <a:p>
             <a:r>
-              <a:rPr kumimoji="0" lang="pt-BR" smtClean="0"/>
+              <a:rPr kumimoji="0" lang="pt-BR"/>
               <a:t>Clique para editar o título mestre</a:t>
             </a:r>
             <a:endParaRPr kumimoji="0" lang="en-US"/>
@@ -4033,35 +3981,35 @@
           <a:p>
             <a:pPr lvl="0" eaLnBrk="1" latinLnBrk="0" hangingPunct="1"/>
             <a:r>
-              <a:rPr kumimoji="0" lang="pt-BR" smtClean="0"/>
+              <a:rPr kumimoji="0" lang="pt-BR"/>
               <a:t>Clique para editar o texto mestre</a:t>
             </a:r>
           </a:p>
           <a:p>
             <a:pPr lvl="1" eaLnBrk="1" latinLnBrk="0" hangingPunct="1"/>
             <a:r>
-              <a:rPr kumimoji="0" lang="pt-BR" smtClean="0"/>
+              <a:rPr kumimoji="0" lang="pt-BR"/>
               <a:t>Segundo nível</a:t>
             </a:r>
           </a:p>
           <a:p>
             <a:pPr lvl="2" eaLnBrk="1" latinLnBrk="0" hangingPunct="1"/>
             <a:r>
-              <a:rPr kumimoji="0" lang="pt-BR" smtClean="0"/>
+              <a:rPr kumimoji="0" lang="pt-BR"/>
               <a:t>Terceiro nível</a:t>
             </a:r>
           </a:p>
           <a:p>
             <a:pPr lvl="3" eaLnBrk="1" latinLnBrk="0" hangingPunct="1"/>
             <a:r>
-              <a:rPr kumimoji="0" lang="pt-BR" smtClean="0"/>
+              <a:rPr kumimoji="0" lang="pt-BR"/>
               <a:t>Quarto nível</a:t>
             </a:r>
           </a:p>
           <a:p>
             <a:pPr lvl="4" eaLnBrk="1" latinLnBrk="0" hangingPunct="1"/>
             <a:r>
-              <a:rPr kumimoji="0" lang="pt-BR" smtClean="0"/>
+              <a:rPr kumimoji="0" lang="pt-BR"/>
               <a:t>Quinto nível</a:t>
             </a:r>
             <a:endParaRPr kumimoji="0" lang="en-US"/>
@@ -4109,7 +4057,7 @@
               <a:pPr>
                 <a:defRPr/>
               </a:pPr>
-              <a:t>12/09/2019</a:t>
+              <a:t>10/10/2019</a:t>
             </a:fld>
             <a:endParaRPr lang="pt-BR"/>
           </a:p>
@@ -4435,13 +4383,6 @@
   <p:transition>
     <p:cover dir="rd"/>
   </p:transition>
-  <p:timing>
-    <p:tnLst>
-      <p:par>
-        <p:cTn id="1" dur="indefinite" restart="never" nodeType="tmRoot"/>
-      </p:par>
-    </p:tnLst>
-  </p:timing>
   <p:txStyles>
     <p:titleStyle>
       <a:lvl1pPr algn="l" rtl="0" eaLnBrk="1" latinLnBrk="0" hangingPunct="1">
@@ -4768,7 +4709,7 @@
           <a:p>
             <a:pPr eaLnBrk="1" hangingPunct="1"/>
             <a:r>
-              <a:rPr lang="pt-BR" sz="3500" dirty="0" smtClean="0"/>
+              <a:rPr lang="pt-BR" sz="3500" dirty="0"/>
               <a:t>Estrutura de Dados – 2º semestre de 2019</a:t>
             </a:r>
           </a:p>
@@ -4805,7 +4746,7 @@
               <a:defRPr/>
             </a:pPr>
             <a:r>
-              <a:rPr lang="pt-BR" sz="2700" dirty="0" smtClean="0">
+              <a:rPr lang="pt-BR" sz="2700" dirty="0">
                 <a:solidFill>
                   <a:schemeClr val="tx1"/>
                 </a:solidFill>
@@ -4823,13 +4764,6 @@
   <p:transition>
     <p:cover dir="rd"/>
   </p:transition>
-  <p:timing>
-    <p:tnLst>
-      <p:par>
-        <p:cTn id="1" dur="indefinite" restart="never" nodeType="tmRoot"/>
-      </p:par>
-    </p:tnLst>
-  </p:timing>
 </p:sld>
 </file>
 
@@ -4874,7 +4808,7 @@
               <a:buNone/>
             </a:pPr>
             <a:r>
-              <a:rPr lang="pt-BR" sz="1800" dirty="0" smtClean="0"/>
+              <a:rPr lang="pt-BR" sz="1800" dirty="0"/>
               <a:t>.</a:t>
             </a:r>
           </a:p>
@@ -4951,13 +4885,6 @@
   <p:transition>
     <p:cover dir="rd"/>
   </p:transition>
-  <p:timing>
-    <p:tnLst>
-      <p:par>
-        <p:cTn id="1" dur="indefinite" restart="never" nodeType="tmRoot"/>
-      </p:par>
-    </p:tnLst>
-  </p:timing>
 </p:sld>
 </file>
 
@@ -5002,7 +4929,7 @@
               <a:buNone/>
             </a:pPr>
             <a:r>
-              <a:rPr lang="pt-BR" sz="1800" dirty="0" smtClean="0"/>
+              <a:rPr lang="pt-BR" sz="1800" dirty="0"/>
               <a:t>.</a:t>
             </a:r>
           </a:p>
@@ -5079,13 +5006,6 @@
   <p:transition>
     <p:cover dir="rd"/>
   </p:transition>
-  <p:timing>
-    <p:tnLst>
-      <p:par>
-        <p:cTn id="1" dur="indefinite" restart="never" nodeType="tmRoot"/>
-      </p:par>
-    </p:tnLst>
-  </p:timing>
 </p:sld>
 </file>
 
@@ -5130,7 +5050,7 @@
               <a:buNone/>
             </a:pPr>
             <a:r>
-              <a:rPr lang="pt-BR" sz="1800" dirty="0" smtClean="0"/>
+              <a:rPr lang="pt-BR" sz="1800" dirty="0"/>
               <a:t>.</a:t>
             </a:r>
           </a:p>
@@ -5207,13 +5127,6 @@
   <p:transition>
     <p:cover dir="rd"/>
   </p:transition>
-  <p:timing>
-    <p:tnLst>
-      <p:par>
-        <p:cTn id="1" dur="indefinite" restart="never" nodeType="tmRoot"/>
-      </p:par>
-    </p:tnLst>
-  </p:timing>
 </p:sld>
 </file>
 
@@ -5258,7 +5171,7 @@
               <a:buNone/>
             </a:pPr>
             <a:r>
-              <a:rPr lang="pt-BR" sz="1800" dirty="0" smtClean="0"/>
+              <a:rPr lang="pt-BR" sz="1800" dirty="0"/>
               <a:t>.</a:t>
             </a:r>
           </a:p>
@@ -5335,13 +5248,6 @@
   <p:transition>
     <p:cover dir="rd"/>
   </p:transition>
-  <p:timing>
-    <p:tnLst>
-      <p:par>
-        <p:cTn id="1" dur="indefinite" restart="never" nodeType="tmRoot"/>
-      </p:par>
-    </p:tnLst>
-  </p:timing>
 </p:sld>
 </file>
 
@@ -5424,13 +5330,6 @@
   <p:transition>
     <p:cover dir="rd"/>
   </p:transition>
-  <p:timing>
-    <p:tnLst>
-      <p:par>
-        <p:cTn id="1" dur="indefinite" restart="never" nodeType="tmRoot"/>
-      </p:par>
-    </p:tnLst>
-  </p:timing>
 </p:sld>
 </file>
 
@@ -5518,13 +5417,6 @@
   <p:transition>
     <p:cover dir="rd"/>
   </p:transition>
-  <p:timing>
-    <p:tnLst>
-      <p:par>
-        <p:cTn id="1" dur="indefinite" restart="never" nodeType="tmRoot"/>
-      </p:par>
-    </p:tnLst>
-  </p:timing>
 </p:sld>
 </file>
 
@@ -5612,13 +5504,6 @@
   <p:transition>
     <p:cover dir="rd"/>
   </p:transition>
-  <p:timing>
-    <p:tnLst>
-      <p:par>
-        <p:cTn id="1" dur="indefinite" restart="never" nodeType="tmRoot"/>
-      </p:par>
-    </p:tnLst>
-  </p:timing>
 </p:sld>
 </file>
 
@@ -5706,13 +5591,6 @@
   <p:transition>
     <p:cover dir="rd"/>
   </p:transition>
-  <p:timing>
-    <p:tnLst>
-      <p:par>
-        <p:cTn id="1" dur="indefinite" restart="never" nodeType="tmRoot"/>
-      </p:par>
-    </p:tnLst>
-  </p:timing>
 </p:sld>
 </file>
 
@@ -5800,13 +5678,6 @@
   <p:transition>
     <p:cover dir="rd"/>
   </p:transition>
-  <p:timing>
-    <p:tnLst>
-      <p:par>
-        <p:cTn id="1" dur="indefinite" restart="never" nodeType="tmRoot"/>
-      </p:par>
-    </p:tnLst>
-  </p:timing>
 </p:sld>
 </file>
 
@@ -5894,13 +5765,6 @@
   <p:transition>
     <p:cover dir="rd"/>
   </p:transition>
-  <p:timing>
-    <p:tnLst>
-      <p:par>
-        <p:cTn id="1" dur="indefinite" restart="never" nodeType="tmRoot"/>
-      </p:par>
-    </p:tnLst>
-  </p:timing>
 </p:sld>
 </file>
 
@@ -5943,7 +5807,7 @@
           <a:p>
             <a:pPr eaLnBrk="1" hangingPunct="1"/>
             <a:r>
-              <a:rPr lang="pt-BR" sz="4000" dirty="0" smtClean="0"/>
+              <a:rPr lang="pt-BR" sz="4000" dirty="0"/>
               <a:t>Introdução</a:t>
             </a:r>
           </a:p>
@@ -5973,7 +5837,7 @@
               <a:buNone/>
             </a:pPr>
             <a:r>
-              <a:rPr lang="pt-BR" sz="1800" dirty="0" smtClean="0"/>
+              <a:rPr lang="pt-BR" sz="1800" dirty="0"/>
               <a:t>.</a:t>
             </a:r>
           </a:p>
@@ -6167,57 +6031,57 @@
           </a:lstStyle>
           <a:p>
             <a:r>
-              <a:rPr lang="pt-BR" sz="2400" dirty="0" smtClean="0"/>
+              <a:rPr lang="pt-BR" sz="2400" dirty="0"/>
               <a:t>Quais informações manipulamos diariamente como uma sequência?</a:t>
             </a:r>
           </a:p>
           <a:p>
             <a:r>
-              <a:rPr lang="pt-BR" sz="2400" dirty="0" smtClean="0"/>
+              <a:rPr lang="pt-BR" sz="2400" dirty="0"/>
               <a:t>Alunos</a:t>
             </a:r>
           </a:p>
           <a:p>
             <a:r>
-              <a:rPr lang="pt-BR" sz="2400" dirty="0" smtClean="0"/>
+              <a:rPr lang="pt-BR" sz="2400" dirty="0"/>
               <a:t>Cinemas</a:t>
             </a:r>
           </a:p>
           <a:p>
             <a:r>
-              <a:rPr lang="pt-BR" sz="2400" dirty="0" smtClean="0"/>
+              <a:rPr lang="pt-BR" sz="2400" dirty="0"/>
               <a:t>Contatos pessoais</a:t>
             </a:r>
           </a:p>
           <a:p>
             <a:r>
-              <a:rPr lang="pt-BR" sz="2400" dirty="0" smtClean="0"/>
+              <a:rPr lang="pt-BR" sz="2400" dirty="0"/>
               <a:t>Contatos profissionais</a:t>
             </a:r>
           </a:p>
           <a:p>
             <a:r>
-              <a:rPr lang="pt-BR" sz="2400" dirty="0" smtClean="0"/>
+              <a:rPr lang="pt-BR" sz="2400" dirty="0"/>
               <a:t>Escolas</a:t>
             </a:r>
           </a:p>
           <a:p>
             <a:r>
-              <a:rPr lang="pt-BR" sz="2400" dirty="0" smtClean="0"/>
+              <a:rPr lang="pt-BR" sz="2400" dirty="0"/>
               <a:t>Livros </a:t>
             </a:r>
           </a:p>
           <a:p>
             <a:r>
-              <a:rPr lang="pt-BR" sz="2400" dirty="0" smtClean="0"/>
+              <a:rPr lang="pt-BR" sz="2400" dirty="0"/>
               <a:t>Presentes</a:t>
             </a:r>
           </a:p>
           <a:p>
-            <a:endParaRPr lang="pt-BR" sz="2400" dirty="0" smtClean="0"/>
-          </a:p>
-          <a:p>
-            <a:endParaRPr lang="pt-BR" sz="2400" dirty="0" smtClean="0"/>
+            <a:endParaRPr lang="pt-BR" sz="2400" dirty="0"/>
+          </a:p>
+          <a:p>
+            <a:endParaRPr lang="pt-BR" sz="2400" dirty="0"/>
           </a:p>
         </p:txBody>
       </p:sp>
@@ -6234,13 +6098,6 @@
   <p:transition>
     <p:cover dir="rd"/>
   </p:transition>
-  <p:timing>
-    <p:tnLst>
-      <p:par>
-        <p:cTn id="1" dur="indefinite" restart="never" nodeType="tmRoot"/>
-      </p:par>
-    </p:tnLst>
-  </p:timing>
 </p:sld>
 </file>
 
@@ -6328,13 +6185,6 @@
   <p:transition>
     <p:cover dir="rd"/>
   </p:transition>
-  <p:timing>
-    <p:tnLst>
-      <p:par>
-        <p:cTn id="1" dur="indefinite" restart="never" nodeType="tmRoot"/>
-      </p:par>
-    </p:tnLst>
-  </p:timing>
 </p:sld>
 </file>
 
@@ -6422,13 +6272,6 @@
   <p:transition>
     <p:cover dir="rd"/>
   </p:transition>
-  <p:timing>
-    <p:tnLst>
-      <p:par>
-        <p:cTn id="1" dur="indefinite" restart="never" nodeType="tmRoot"/>
-      </p:par>
-    </p:tnLst>
-  </p:timing>
 </p:sld>
 </file>
 
@@ -6516,13 +6359,6 @@
   <p:transition>
     <p:cover dir="rd"/>
   </p:transition>
-  <p:timing>
-    <p:tnLst>
-      <p:par>
-        <p:cTn id="1" dur="indefinite" restart="never" nodeType="tmRoot"/>
-      </p:par>
-    </p:tnLst>
-  </p:timing>
 </p:sld>
 </file>
 
@@ -6610,13 +6446,6 @@
   <p:transition>
     <p:cover dir="rd"/>
   </p:transition>
-  <p:timing>
-    <p:tnLst>
-      <p:par>
-        <p:cTn id="1" dur="indefinite" restart="never" nodeType="tmRoot"/>
-      </p:par>
-    </p:tnLst>
-  </p:timing>
 </p:sld>
 </file>
 
@@ -6659,7 +6488,7 @@
           <a:p>
             <a:pPr eaLnBrk="1" hangingPunct="1"/>
             <a:r>
-              <a:rPr lang="pt-BR" sz="4000" dirty="0" smtClean="0"/>
+              <a:rPr lang="pt-BR" sz="4000" dirty="0"/>
               <a:t>Contatos</a:t>
             </a:r>
           </a:p>
@@ -6686,13 +6515,13 @@
           <a:lstStyle/>
           <a:p>
             <a:r>
-              <a:rPr lang="pt-BR" dirty="0" err="1" smtClean="0">
+              <a:rPr lang="pt-BR" dirty="0" err="1">
                 <a:latin typeface="+mj-lt"/>
               </a:rPr>
               <a:t>Email</a:t>
             </a:r>
             <a:r>
-              <a:rPr lang="pt-BR" dirty="0" smtClean="0">
+              <a:rPr lang="pt-BR" dirty="0">
                 <a:latin typeface="+mj-lt"/>
               </a:rPr>
               <a:t>: </a:t>
@@ -6702,22 +6531,22 @@
               <a:t> </a:t>
             </a:r>
             <a:r>
-              <a:rPr lang="pt-BR" dirty="0" smtClean="0">
+              <a:rPr lang="pt-BR" dirty="0">
                 <a:hlinkClick r:id="rId2"/>
               </a:rPr>
               <a:t>fabio.silva321@fatec.sp.gov.br</a:t>
             </a:r>
-            <a:endParaRPr lang="pt-BR" dirty="0" smtClean="0"/>
-          </a:p>
-          <a:p>
-            <a:r>
-              <a:rPr lang="pt-BR" dirty="0" err="1" smtClean="0">
+            <a:endParaRPr lang="pt-BR" dirty="0"/>
+          </a:p>
+          <a:p>
+            <a:r>
+              <a:rPr lang="pt-BR" dirty="0" err="1">
                 <a:latin typeface="+mj-lt"/>
               </a:rPr>
               <a:t>Linkedin</a:t>
             </a:r>
             <a:r>
-              <a:rPr lang="pt-BR" dirty="0" smtClean="0">
+              <a:rPr lang="pt-BR" dirty="0">
                 <a:latin typeface="+mj-lt"/>
               </a:rPr>
               <a:t>: </a:t>
@@ -6726,13 +6555,7 @@
               <a:rPr lang="pt-BR" dirty="0">
                 <a:hlinkClick r:id="rId3"/>
               </a:rPr>
-              <a:t>https://</a:t>
-            </a:r>
-            <a:r>
-              <a:rPr lang="pt-BR" dirty="0" smtClean="0">
-                <a:hlinkClick r:id="rId3"/>
-              </a:rPr>
-              <a:t>br.linkedin.com/in/b41a5269</a:t>
+              <a:t>https://br.linkedin.com/in/b41a5269</a:t>
             </a:r>
             <a:endParaRPr lang="pt-BR" dirty="0"/>
           </a:p>
@@ -6745,14 +6568,14 @@
             <a:endParaRPr lang="pt-BR" sz="3000" dirty="0"/>
           </a:p>
           <a:p>
-            <a:endParaRPr lang="pt-BR" sz="3000" dirty="0" smtClean="0"/>
+            <a:endParaRPr lang="pt-BR" sz="3000" dirty="0"/>
           </a:p>
           <a:p>
             <a:pPr lvl="1">
               <a:buFont typeface="Arial" charset="0"/>
               <a:buNone/>
             </a:pPr>
-            <a:endParaRPr lang="pt-BR" dirty="0" smtClean="0"/>
+            <a:endParaRPr lang="pt-BR" dirty="0"/>
           </a:p>
         </p:txBody>
       </p:sp>
@@ -6769,13 +6592,6 @@
   <p:transition>
     <p:cover dir="rd"/>
   </p:transition>
-  <p:timing>
-    <p:tnLst>
-      <p:par>
-        <p:cTn id="1" dur="indefinite" restart="never" nodeType="tmRoot"/>
-      </p:par>
-    </p:tnLst>
-  </p:timing>
 </p:sld>
 </file>
 
@@ -6818,7 +6634,7 @@
           <a:p>
             <a:pPr eaLnBrk="1" hangingPunct="1"/>
             <a:r>
-              <a:rPr lang="pt-BR" sz="4000" dirty="0" smtClean="0"/>
+              <a:rPr lang="pt-BR" sz="4000" dirty="0"/>
               <a:t>Listas</a:t>
             </a:r>
           </a:p>
@@ -6848,7 +6664,7 @@
               <a:buNone/>
             </a:pPr>
             <a:r>
-              <a:rPr lang="pt-BR" sz="1800" dirty="0" smtClean="0"/>
+              <a:rPr lang="pt-BR" sz="1800" dirty="0"/>
               <a:t>.</a:t>
             </a:r>
           </a:p>
@@ -7043,16 +6859,12 @@
           <a:p>
             <a:r>
               <a:rPr lang="pt-BR" sz="2400" dirty="0"/>
-              <a:t>Uma estrutura que armazena elementos de forma alinhada, ou seja, com elementos dispostos um após o outro</a:t>
-            </a:r>
-            <a:r>
-              <a:rPr lang="pt-BR" sz="2400" dirty="0" smtClean="0"/>
-              <a:t>.</a:t>
-            </a:r>
-          </a:p>
-          <a:p>
-            <a:r>
-              <a:rPr lang="pt-BR" sz="2400" dirty="0" smtClean="0"/>
+              <a:t>Uma estrutura que armazena elementos de forma alinhada, ou seja, com elementos dispostos um após o outro.</a:t>
+            </a:r>
+          </a:p>
+          <a:p>
+            <a:r>
+              <a:rPr lang="pt-BR" sz="2400" dirty="0"/>
               <a:t>São estruturas lineares que armazenam vários elementos de um mesmo tipo.</a:t>
             </a:r>
           </a:p>
@@ -7061,10 +6873,9 @@
               <a:rPr lang="pt-BR" sz="2400" dirty="0"/>
               <a:t>Podem ser adequadas quando não é possível prever a demanda por memória, permitindo a manipulação de quantidades imprevisíveis de dados, de formato também imprevisível.</a:t>
             </a:r>
-            <a:endParaRPr lang="pt-BR" sz="2400" dirty="0" smtClean="0"/>
-          </a:p>
-          <a:p>
-            <a:endParaRPr lang="pt-BR" sz="2400" dirty="0" smtClean="0"/>
+          </a:p>
+          <a:p>
+            <a:endParaRPr lang="pt-BR" sz="2400" dirty="0"/>
           </a:p>
         </p:txBody>
       </p:sp>
@@ -7081,13 +6892,6 @@
   <p:transition>
     <p:cover dir="rd"/>
   </p:transition>
-  <p:timing>
-    <p:tnLst>
-      <p:par>
-        <p:cTn id="1" dur="indefinite" restart="never" nodeType="tmRoot"/>
-      </p:par>
-    </p:tnLst>
-  </p:timing>
 </p:sld>
 </file>
 
@@ -7130,7 +6934,7 @@
           <a:p>
             <a:pPr eaLnBrk="1" hangingPunct="1"/>
             <a:r>
-              <a:rPr lang="pt-BR" sz="4000" dirty="0" smtClean="0"/>
+              <a:rPr lang="pt-BR" sz="4000" dirty="0"/>
               <a:t>Listas</a:t>
             </a:r>
           </a:p>
@@ -7160,7 +6964,7 @@
               <a:buNone/>
             </a:pPr>
             <a:r>
-              <a:rPr lang="pt-BR" sz="1800" dirty="0" smtClean="0"/>
+              <a:rPr lang="pt-BR" sz="1800" dirty="0"/>
               <a:t>.</a:t>
             </a:r>
           </a:p>
@@ -7354,16 +7158,8 @@
           </a:lstStyle>
           <a:p>
             <a:r>
-              <a:rPr lang="pt-BR" sz="2400" dirty="0" smtClean="0"/>
-              <a:t>Sequência </a:t>
-            </a:r>
-            <a:r>
               <a:rPr lang="pt-BR" sz="2400" dirty="0"/>
-              <a:t>de zero ou mais itens x 1; x 2; ... ; x n, na qual xi é de um determinado tipo e n representa o tamanho da lista linear</a:t>
-            </a:r>
-            <a:r>
-              <a:rPr lang="pt-BR" sz="2400" dirty="0" smtClean="0"/>
-              <a:t>.</a:t>
+              <a:t>Sequência de zero ou mais itens x 1; x 2; ... ; x n, na qual xi é de um determinado tipo e n representa o tamanho da lista linear.</a:t>
             </a:r>
           </a:p>
           <a:p>
@@ -7371,41 +7167,26 @@
               <a:rPr lang="pt-BR" sz="2400" dirty="0"/>
               <a:t>Sua principal propriedade estrutural envolve as posições relativas dos itens em uma dimensão. </a:t>
             </a:r>
-            <a:endParaRPr lang="pt-BR" sz="2400" dirty="0" smtClean="0"/>
           </a:p>
           <a:p>
             <a:pPr lvl="1"/>
             <a:r>
-              <a:rPr lang="pt-BR" sz="2000" dirty="0" smtClean="0"/>
-              <a:t>Assumindo </a:t>
-            </a:r>
-            <a:r>
               <a:rPr lang="pt-BR" sz="2000" dirty="0"/>
-              <a:t>n&gt;= 1, x 1 é o primeiro item da lista e x n é o último item da lista. </a:t>
-            </a:r>
-            <a:endParaRPr lang="pt-BR" sz="2000" dirty="0" smtClean="0"/>
+              <a:t>Assumindo n&gt;= 1, x 1 é o primeiro item da lista e x n é o último item da lista. </a:t>
+            </a:r>
           </a:p>
           <a:p>
             <a:pPr lvl="1"/>
             <a:r>
-              <a:rPr lang="pt-BR" sz="2000" dirty="0" smtClean="0"/>
-              <a:t>– </a:t>
-            </a:r>
-            <a:r>
               <a:rPr lang="pt-BR" sz="2000" dirty="0"/>
-              <a:t>xi precede xi+1 para i = 1; 2; ... ; n - 1 </a:t>
-            </a:r>
-            <a:endParaRPr lang="pt-BR" sz="2000" dirty="0" smtClean="0"/>
+              <a:t>– xi precede xi+1 para i = 1; 2; ... ; n - 1 </a:t>
+            </a:r>
           </a:p>
           <a:p>
             <a:pPr lvl="1"/>
             <a:r>
-              <a:rPr lang="pt-BR" sz="2000" dirty="0" smtClean="0"/>
-              <a:t>– </a:t>
-            </a:r>
-            <a:r>
               <a:rPr lang="pt-BR" sz="2000" dirty="0"/>
-              <a:t>xi sucede xi-1 para i = 2; 3; ... ; n – o elemento xi é dito estar na i-</a:t>
+              <a:t>– xi sucede xi-1 para i = 2; 3; ... ; n – o elemento xi é dito estar na i-</a:t>
             </a:r>
             <a:r>
               <a:rPr lang="pt-BR" sz="2000" dirty="0" err="1"/>
@@ -7415,7 +7196,6 @@
               <a:rPr lang="pt-BR" sz="2000" dirty="0"/>
               <a:t> posição da lista.</a:t>
             </a:r>
-            <a:endParaRPr lang="pt-BR" sz="2000" dirty="0" smtClean="0"/>
           </a:p>
         </p:txBody>
       </p:sp>
@@ -7432,13 +7212,6 @@
   <p:transition>
     <p:cover dir="rd"/>
   </p:transition>
-  <p:timing>
-    <p:tnLst>
-      <p:par>
-        <p:cTn id="1" dur="indefinite" restart="never" nodeType="tmRoot"/>
-      </p:par>
-    </p:tnLst>
-  </p:timing>
 </p:sld>
 </file>
 
@@ -7481,7 +7254,7 @@
           <a:p>
             <a:pPr eaLnBrk="1" hangingPunct="1"/>
             <a:r>
-              <a:rPr lang="pt-BR" sz="4000" dirty="0" smtClean="0"/>
+              <a:rPr lang="pt-BR" sz="4000" dirty="0"/>
               <a:t>Operações</a:t>
             </a:r>
           </a:p>
@@ -7511,7 +7284,7 @@
               <a:buNone/>
             </a:pPr>
             <a:r>
-              <a:rPr lang="pt-BR" sz="1800" dirty="0" smtClean="0"/>
+              <a:rPr lang="pt-BR" sz="1800" dirty="0"/>
               <a:t>.</a:t>
             </a:r>
           </a:p>
@@ -7705,37 +7478,37 @@
           </a:lstStyle>
           <a:p>
             <a:r>
-              <a:rPr lang="pt-BR" sz="2400" dirty="0" smtClean="0"/>
+              <a:rPr lang="pt-BR" sz="2400" dirty="0"/>
               <a:t>Busca</a:t>
             </a:r>
           </a:p>
           <a:p>
             <a:r>
-              <a:rPr lang="pt-BR" sz="2400" dirty="0" smtClean="0"/>
+              <a:rPr lang="pt-BR" sz="2400" dirty="0"/>
               <a:t>Combinação de duas listas em uma</a:t>
             </a:r>
           </a:p>
           <a:p>
             <a:r>
-              <a:rPr lang="pt-BR" sz="2400" dirty="0" smtClean="0"/>
+              <a:rPr lang="pt-BR" sz="2400" dirty="0"/>
               <a:t>Intercalação</a:t>
             </a:r>
           </a:p>
           <a:p>
             <a:r>
-              <a:rPr lang="pt-BR" sz="2400" dirty="0" smtClean="0"/>
+              <a:rPr lang="pt-BR" sz="2400" dirty="0"/>
               <a:t>Inserção</a:t>
             </a:r>
           </a:p>
           <a:p>
             <a:r>
-              <a:rPr lang="pt-BR" sz="2400" dirty="0" smtClean="0"/>
+              <a:rPr lang="pt-BR" sz="2400" dirty="0"/>
               <a:t>Ordenação</a:t>
             </a:r>
           </a:p>
           <a:p>
             <a:r>
-              <a:rPr lang="pt-BR" sz="2400" dirty="0" smtClean="0"/>
+              <a:rPr lang="pt-BR" sz="2400" dirty="0"/>
               <a:t>Remoção</a:t>
             </a:r>
           </a:p>
@@ -7743,7 +7516,7 @@
             <a:pPr marL="0" indent="0">
               <a:buNone/>
             </a:pPr>
-            <a:endParaRPr lang="pt-BR" sz="2400" dirty="0" smtClean="0"/>
+            <a:endParaRPr lang="pt-BR" sz="2400" dirty="0"/>
           </a:p>
         </p:txBody>
       </p:sp>
@@ -7760,13 +7533,6 @@
   <p:transition>
     <p:cover dir="rd"/>
   </p:transition>
-  <p:timing>
-    <p:tnLst>
-      <p:par>
-        <p:cTn id="1" dur="indefinite" restart="never" nodeType="tmRoot"/>
-      </p:par>
-    </p:tnLst>
-  </p:timing>
 </p:sld>
 </file>
 
@@ -7809,7 +7575,7 @@
           <a:p>
             <a:pPr eaLnBrk="1" hangingPunct="1"/>
             <a:r>
-              <a:rPr lang="pt-BR" sz="4000" dirty="0" smtClean="0"/>
+              <a:rPr lang="pt-BR" sz="4000" dirty="0"/>
               <a:t>Implementação de listas lineares	</a:t>
             </a:r>
           </a:p>
@@ -7839,7 +7605,7 @@
               <a:buNone/>
             </a:pPr>
             <a:r>
-              <a:rPr lang="pt-BR" sz="1800" dirty="0" smtClean="0"/>
+              <a:rPr lang="pt-BR" sz="1800" dirty="0"/>
               <a:t>.</a:t>
             </a:r>
           </a:p>
@@ -8036,58 +7802,32 @@
               <a:rPr lang="pt-BR" sz="2400" dirty="0"/>
               <a:t>Há varias maneiras de implementar listas lineares. </a:t>
             </a:r>
-            <a:endParaRPr lang="pt-BR" sz="2400" dirty="0" smtClean="0"/>
-          </a:p>
-          <a:p>
-            <a:r>
-              <a:rPr lang="pt-BR" sz="2400" dirty="0" smtClean="0"/>
-              <a:t>Cada </a:t>
-            </a:r>
+          </a:p>
+          <a:p>
             <a:r>
               <a:rPr lang="pt-BR" sz="2400" dirty="0"/>
-              <a:t>implementação apresenta vantagens e desvantagens particulares</a:t>
-            </a:r>
-            <a:r>
-              <a:rPr lang="pt-BR" sz="2400" dirty="0" smtClean="0"/>
-              <a:t>.</a:t>
-            </a:r>
-          </a:p>
-          <a:p>
-            <a:r>
-              <a:rPr lang="pt-BR" sz="2400" dirty="0" smtClean="0"/>
-              <a:t> Vamos </a:t>
-            </a:r>
+              <a:t>Cada implementação apresenta vantagens e desvantagens particulares.</a:t>
+            </a:r>
+          </a:p>
+          <a:p>
             <a:r>
               <a:rPr lang="pt-BR" sz="2400" dirty="0"/>
-              <a:t>estudar duas maneiras distintas </a:t>
+              <a:t> Vamos estudar duas maneiras distintas </a:t>
             </a:r>
           </a:p>
           <a:p>
             <a:pPr lvl="1"/>
             <a:r>
-              <a:rPr lang="pt-BR" sz="2000" dirty="0" smtClean="0"/>
-              <a:t>Usando </a:t>
-            </a:r>
-            <a:r>
               <a:rPr lang="pt-BR" sz="2000" dirty="0"/>
-              <a:t>alocação sequencial e estática (com vetores). </a:t>
-            </a:r>
-            <a:r>
-              <a:rPr lang="pt-BR" sz="2000" dirty="0" smtClean="0"/>
-              <a:t> </a:t>
+              <a:t>Usando alocação sequencial e estática (com vetores).  </a:t>
             </a:r>
           </a:p>
           <a:p>
             <a:pPr lvl="1"/>
             <a:r>
-              <a:rPr lang="pt-BR" sz="2000" dirty="0" smtClean="0"/>
-              <a:t>Usando </a:t>
-            </a:r>
-            <a:r>
               <a:rPr lang="pt-BR" sz="2000" dirty="0"/>
-              <a:t>alocação não sequencial e dinâmica (com ponteiros): Estruturas Encadeadas.</a:t>
-            </a:r>
-            <a:endParaRPr lang="pt-BR" sz="2000" dirty="0" smtClean="0"/>
+              <a:t>Usando alocação não sequencial e dinâmica (com ponteiros): Estruturas Encadeadas.</a:t>
+            </a:r>
           </a:p>
         </p:txBody>
       </p:sp>
@@ -8104,13 +7844,6 @@
   <p:transition>
     <p:cover dir="rd"/>
   </p:transition>
-  <p:timing>
-    <p:tnLst>
-      <p:par>
-        <p:cTn id="1" dur="indefinite" restart="never" nodeType="tmRoot"/>
-      </p:par>
-    </p:tnLst>
-  </p:timing>
 </p:sld>
 </file>
 
@@ -8153,7 +7886,11 @@
           <a:p>
             <a:pPr eaLnBrk="1" hangingPunct="1"/>
             <a:r>
-              <a:rPr lang="pt-BR" sz="4000" dirty="0" smtClean="0"/>
+              <a:rPr lang="pt-BR" sz="4000" dirty="0">
+                <a:highlight>
+                  <a:srgbClr val="FFFF00"/>
+                </a:highlight>
+              </a:rPr>
               <a:t>Lista Estática x Lista Dinâmica</a:t>
             </a:r>
           </a:p>
@@ -8184,8 +7921,20 @@
                 <a:tableStyleId>{5C22544A-7EE6-4342-B048-85BDC9FD1C3A}</a:tableStyleId>
               </a:tblPr>
               <a:tblGrid>
-                <a:gridCol w="3816424"/>
-                <a:gridCol w="4541822"/>
+                <a:gridCol w="3816424">
+                  <a:extLst>
+                    <a:ext uri="{9D8B030D-6E8A-4147-A177-3AD203B41FA5}">
+                      <a16:colId xmlns:a16="http://schemas.microsoft.com/office/drawing/2014/main" val="20000"/>
+                    </a:ext>
+                  </a:extLst>
+                </a:gridCol>
+                <a:gridCol w="4541822">
+                  <a:extLst>
+                    <a:ext uri="{9D8B030D-6E8A-4147-A177-3AD203B41FA5}">
+                      <a16:colId xmlns:a16="http://schemas.microsoft.com/office/drawing/2014/main" val="20001"/>
+                    </a:ext>
+                  </a:extLst>
+                </a:gridCol>
               </a:tblGrid>
               <a:tr h="568401">
                 <a:tc>
@@ -8195,7 +7944,7 @@
                     <a:p>
                       <a:pPr algn="l"/>
                       <a:r>
-                        <a:rPr lang="pt-BR" sz="1800" baseline="0" dirty="0" smtClean="0"/>
+                        <a:rPr lang="pt-BR" sz="1800" baseline="0" dirty="0"/>
                         <a:t>Alocação Estática</a:t>
                       </a:r>
                       <a:endParaRPr lang="pt-BR" sz="1800" dirty="0"/>
@@ -8210,11 +7959,11 @@
                     <a:p>
                       <a:pPr algn="l"/>
                       <a:r>
-                        <a:rPr lang="pt-BR" sz="1800" dirty="0" smtClean="0"/>
+                        <a:rPr lang="pt-BR" sz="1800" dirty="0"/>
                         <a:t>Alocação</a:t>
                       </a:r>
                       <a:r>
-                        <a:rPr lang="pt-BR" sz="1800" baseline="0" dirty="0" smtClean="0"/>
+                        <a:rPr lang="pt-BR" sz="1800" baseline="0" dirty="0"/>
                         <a:t> Dinâmica</a:t>
                       </a:r>
                       <a:endParaRPr lang="pt-BR" sz="1800" dirty="0"/>
@@ -8222,6 +7971,11 @@
                   </a:txBody>
                   <a:tcPr/>
                 </a:tc>
+                <a:extLst>
+                  <a:ext uri="{0D108BD9-81ED-4DB2-BD59-A6C34878D82A}">
+                    <a16:rowId xmlns:a16="http://schemas.microsoft.com/office/drawing/2014/main" val="10000"/>
+                  </a:ext>
+                </a:extLst>
               </a:tr>
               <a:tr h="994703">
                 <a:tc>
@@ -8247,7 +8001,7 @@
                         <a:defRPr/>
                       </a:pPr>
                       <a:r>
-                        <a:rPr lang="pt-BR" sz="1800" kern="1200" baseline="0" dirty="0" smtClean="0">
+                        <a:rPr lang="pt-BR" sz="1800" kern="1200" baseline="0" dirty="0">
                           <a:solidFill>
                             <a:schemeClr val="dk1"/>
                           </a:solidFill>
@@ -8284,7 +8038,7 @@
                         <a:defRPr/>
                       </a:pPr>
                       <a:r>
-                        <a:rPr lang="pt-BR" sz="1800" kern="1200" dirty="0" smtClean="0">
+                        <a:rPr lang="pt-BR" sz="1800" kern="1200" dirty="0">
                           <a:solidFill>
                             <a:schemeClr val="dk1"/>
                           </a:solidFill>
@@ -8295,7 +8049,7 @@
                         <a:t>Não há quantidade máxima de</a:t>
                       </a:r>
                       <a:r>
-                        <a:rPr lang="pt-BR" sz="1800" kern="1200" baseline="0" dirty="0" smtClean="0">
+                        <a:rPr lang="pt-BR" sz="1800" kern="1200" baseline="0" dirty="0">
                           <a:solidFill>
                             <a:schemeClr val="dk1"/>
                           </a:solidFill>
@@ -8305,7 +8059,7 @@
                         </a:rPr>
                         <a:t> elementos (o limite é a memória do computador)</a:t>
                       </a:r>
-                      <a:endParaRPr lang="pt-BR" sz="1800" kern="1200" dirty="0" smtClean="0">
+                      <a:endParaRPr lang="pt-BR" sz="1800" kern="1200" dirty="0">
                         <a:solidFill>
                           <a:schemeClr val="dk1"/>
                         </a:solidFill>
@@ -8317,6 +8071,11 @@
                   </a:txBody>
                   <a:tcPr/>
                 </a:tc>
+                <a:extLst>
+                  <a:ext uri="{0D108BD9-81ED-4DB2-BD59-A6C34878D82A}">
+                    <a16:rowId xmlns:a16="http://schemas.microsoft.com/office/drawing/2014/main" val="10001"/>
+                  </a:ext>
+                </a:extLst>
               </a:tr>
               <a:tr h="1048340">
                 <a:tc>
@@ -8342,7 +8101,7 @@
                         <a:defRPr/>
                       </a:pPr>
                       <a:r>
-                        <a:rPr lang="pt-BR" sz="1800" kern="1200" baseline="0" dirty="0" smtClean="0">
+                        <a:rPr lang="pt-BR" sz="1800" kern="1200" baseline="0" dirty="0">
                           <a:solidFill>
                             <a:schemeClr val="dk1"/>
                           </a:solidFill>
@@ -8362,18 +8121,23 @@
                     <a:lstStyle/>
                     <a:p>
                       <a:r>
-                        <a:rPr lang="pt-BR" sz="1800" dirty="0" smtClean="0"/>
+                        <a:rPr lang="pt-BR" sz="1800" dirty="0"/>
                         <a:t>Utiliza</a:t>
                       </a:r>
                       <a:r>
-                        <a:rPr lang="pt-BR" sz="1800" baseline="0" dirty="0" smtClean="0"/>
+                        <a:rPr lang="pt-BR" sz="1800" baseline="0" dirty="0"/>
                         <a:t> somente o espaço de memória suficiente</a:t>
                       </a:r>
-                      <a:endParaRPr lang="pt-BR" sz="1800" dirty="0" smtClean="0"/>
+                      <a:endParaRPr lang="pt-BR" sz="1800" dirty="0"/>
                     </a:p>
                   </a:txBody>
                   <a:tcPr/>
                 </a:tc>
+                <a:extLst>
+                  <a:ext uri="{0D108BD9-81ED-4DB2-BD59-A6C34878D82A}">
+                    <a16:rowId xmlns:a16="http://schemas.microsoft.com/office/drawing/2014/main" val="10002"/>
+                  </a:ext>
+                </a:extLst>
               </a:tr>
               <a:tr h="1421004">
                 <a:tc>
@@ -8399,7 +8163,7 @@
                         <a:defRPr/>
                       </a:pPr>
                       <a:r>
-                        <a:rPr lang="pt-BR" sz="1800" kern="1200" baseline="0" dirty="0" smtClean="0">
+                        <a:rPr lang="pt-BR" sz="1800" kern="1200" baseline="0" dirty="0">
                           <a:solidFill>
                             <a:schemeClr val="dk1"/>
                           </a:solidFill>
@@ -8410,7 +8174,7 @@
                         <a:t>Usa </a:t>
                       </a:r>
                       <a:r>
-                        <a:rPr lang="pt-BR" sz="1800" kern="1200" baseline="0" dirty="0" err="1" smtClean="0">
+                        <a:rPr lang="pt-BR" sz="1800" kern="1200" baseline="0" dirty="0" err="1">
                           <a:solidFill>
                             <a:schemeClr val="dk1"/>
                           </a:solidFill>
@@ -8420,7 +8184,7 @@
                         </a:rPr>
                         <a:t>arrays</a:t>
                       </a:r>
-                      <a:endParaRPr lang="pt-BR" sz="1800" kern="1200" baseline="0" dirty="0" smtClean="0">
+                      <a:endParaRPr lang="pt-BR" sz="1800" kern="1200" baseline="0" dirty="0">
                         <a:solidFill>
                           <a:schemeClr val="dk1"/>
                         </a:solidFill>
@@ -8438,18 +8202,23 @@
                     <a:lstStyle/>
                     <a:p>
                       <a:r>
-                        <a:rPr lang="pt-BR" sz="1800" dirty="0" smtClean="0"/>
+                        <a:rPr lang="pt-BR" sz="1800" dirty="0"/>
                         <a:t>Utiliza ponteiros</a:t>
                       </a:r>
                       <a:r>
-                        <a:rPr lang="pt-BR" sz="1800" baseline="0" dirty="0" smtClean="0"/>
+                        <a:rPr lang="pt-BR" sz="1800" baseline="0" dirty="0"/>
                         <a:t> para indicar a posição de memória que o endereço inserido na lista será armazenado</a:t>
                       </a:r>
-                      <a:endParaRPr lang="pt-BR" sz="1800" dirty="0" smtClean="0"/>
+                      <a:endParaRPr lang="pt-BR" sz="1800" dirty="0"/>
                     </a:p>
                   </a:txBody>
                   <a:tcPr/>
                 </a:tc>
+                <a:extLst>
+                  <a:ext uri="{0D108BD9-81ED-4DB2-BD59-A6C34878D82A}">
+                    <a16:rowId xmlns:a16="http://schemas.microsoft.com/office/drawing/2014/main" val="10003"/>
+                  </a:ext>
+                </a:extLst>
               </a:tr>
             </a:tbl>
           </a:graphicData>
@@ -8468,13 +8237,6 @@
   <p:transition>
     <p:cover dir="rd"/>
   </p:transition>
-  <p:timing>
-    <p:tnLst>
-      <p:par>
-        <p:cTn id="1" dur="indefinite" restart="never" nodeType="tmRoot"/>
-      </p:par>
-    </p:tnLst>
-  </p:timing>
 </p:sld>
 </file>
 
@@ -8519,7 +8281,7 @@
               <a:buNone/>
             </a:pPr>
             <a:r>
-              <a:rPr lang="pt-BR" sz="1800" dirty="0" smtClean="0"/>
+              <a:rPr lang="pt-BR" sz="1800" dirty="0"/>
               <a:t>.</a:t>
             </a:r>
           </a:p>
@@ -8596,13 +8358,6 @@
   <p:transition>
     <p:cover dir="rd"/>
   </p:transition>
-  <p:timing>
-    <p:tnLst>
-      <p:par>
-        <p:cTn id="1" dur="indefinite" restart="never" nodeType="tmRoot"/>
-      </p:par>
-    </p:tnLst>
-  </p:timing>
 </p:sld>
 </file>
 
@@ -8647,7 +8402,7 @@
               <a:buNone/>
             </a:pPr>
             <a:r>
-              <a:rPr lang="pt-BR" sz="1800" dirty="0" smtClean="0"/>
+              <a:rPr lang="pt-BR" sz="1800" dirty="0"/>
               <a:t>.</a:t>
             </a:r>
           </a:p>
@@ -8724,13 +8479,6 @@
   <p:transition>
     <p:cover dir="rd"/>
   </p:transition>
-  <p:timing>
-    <p:tnLst>
-      <p:par>
-        <p:cTn id="1" dur="indefinite" restart="never" nodeType="tmRoot"/>
-      </p:par>
-    </p:tnLst>
-  </p:timing>
 </p:sld>
 </file>
 
